--- a/doc/外部設計/外部設計合格/画面設計書ver1.6.pptx
+++ b/doc/外部設計/外部設計合格/画面設計書ver1.6.pptx
@@ -2504,6 +2504,9 @@
               <a:t>2</a:t>
             </a:r>
             <a:endParaRPr kumimoji="1" lang="ja-JP" altLang="en-US" dirty="0"/>
+          </a:p>
+          <a:p>
+            <a:endParaRPr kumimoji="1" lang="en-US" altLang="ja-JP" dirty="0"/>
           </a:p>
           <a:p>
             <a:endParaRPr kumimoji="1" lang="ja-JP" altLang="en-US" dirty="0"/>
